--- a/lab/ppt/1-env.pptx
+++ b/lab/ppt/1-env.pptx
@@ -6,19 +6,8 @@
   </p:sldMasterIdLst>
   <p:sldIdLst>
     <p:sldId id="256" r:id="rId2"/>
-    <p:sldId id="268" r:id="rId3"/>
-    <p:sldId id="384" r:id="rId4"/>
-    <p:sldId id="385" r:id="rId5"/>
-    <p:sldId id="391" r:id="rId6"/>
-    <p:sldId id="260" r:id="rId7"/>
-    <p:sldId id="410" r:id="rId8"/>
-    <p:sldId id="402" r:id="rId9"/>
-    <p:sldId id="403" r:id="rId10"/>
-    <p:sldId id="404" r:id="rId11"/>
-    <p:sldId id="405" r:id="rId12"/>
-    <p:sldId id="406" r:id="rId13"/>
-    <p:sldId id="407" r:id="rId14"/>
-    <p:sldId id="408" r:id="rId15"/>
+    <p:sldId id="384" r:id="rId3"/>
+    <p:sldId id="268" r:id="rId4"/>
   </p:sldIdLst>
   <p:sldSz cx="12192000" cy="6858000"/>
   <p:notesSz cx="6858000" cy="9144000"/>
@@ -272,7 +261,7 @@
           <a:p>
             <a:fld id="{37E1CD9B-5BD6-1645-9491-89E4F34F20BE}" type="datetimeFigureOut">
               <a:rPr kumimoji="1" lang="zh-CN" altLang="en-US" smtClean="0"/>
-              <a:t>2020/10/29</a:t>
+              <a:t>2022/9/6</a:t>
             </a:fld>
             <a:endParaRPr kumimoji="1" lang="zh-CN" altLang="en-US"/>
           </a:p>
@@ -445,7 +434,7 @@
           <a:p>
             <a:fld id="{37E1CD9B-5BD6-1645-9491-89E4F34F20BE}" type="datetimeFigureOut">
               <a:rPr kumimoji="1" lang="zh-CN" altLang="en-US" smtClean="0"/>
-              <a:t>2020/10/29</a:t>
+              <a:t>2022/9/6</a:t>
             </a:fld>
             <a:endParaRPr kumimoji="1" lang="zh-CN" altLang="en-US"/>
           </a:p>
@@ -628,7 +617,7 @@
           <a:p>
             <a:fld id="{37E1CD9B-5BD6-1645-9491-89E4F34F20BE}" type="datetimeFigureOut">
               <a:rPr kumimoji="1" lang="zh-CN" altLang="en-US" smtClean="0"/>
-              <a:t>2020/10/29</a:t>
+              <a:t>2022/9/6</a:t>
             </a:fld>
             <a:endParaRPr kumimoji="1" lang="zh-CN" altLang="en-US"/>
           </a:p>
@@ -801,7 +790,7 @@
           <a:p>
             <a:fld id="{37E1CD9B-5BD6-1645-9491-89E4F34F20BE}" type="datetimeFigureOut">
               <a:rPr kumimoji="1" lang="zh-CN" altLang="en-US" smtClean="0"/>
-              <a:t>2020/10/29</a:t>
+              <a:t>2022/9/6</a:t>
             </a:fld>
             <a:endParaRPr kumimoji="1" lang="zh-CN" altLang="en-US"/>
           </a:p>
@@ -1079,7 +1068,7 @@
           <a:p>
             <a:fld id="{37E1CD9B-5BD6-1645-9491-89E4F34F20BE}" type="datetimeFigureOut">
               <a:rPr kumimoji="1" lang="zh-CN" altLang="en-US" smtClean="0"/>
-              <a:t>2020/10/29</a:t>
+              <a:t>2022/9/6</a:t>
             </a:fld>
             <a:endParaRPr kumimoji="1" lang="zh-CN" altLang="en-US"/>
           </a:p>
@@ -1294,7 +1283,7 @@
           <a:p>
             <a:fld id="{37E1CD9B-5BD6-1645-9491-89E4F34F20BE}" type="datetimeFigureOut">
               <a:rPr kumimoji="1" lang="zh-CN" altLang="en-US" smtClean="0"/>
-              <a:t>2020/10/29</a:t>
+              <a:t>2022/9/6</a:t>
             </a:fld>
             <a:endParaRPr kumimoji="1" lang="zh-CN" altLang="en-US"/>
           </a:p>
@@ -1662,7 +1651,7 @@
           <a:p>
             <a:fld id="{37E1CD9B-5BD6-1645-9491-89E4F34F20BE}" type="datetimeFigureOut">
               <a:rPr kumimoji="1" lang="zh-CN" altLang="en-US" smtClean="0"/>
-              <a:t>2020/10/29</a:t>
+              <a:t>2022/9/6</a:t>
             </a:fld>
             <a:endParaRPr kumimoji="1" lang="zh-CN" altLang="en-US"/>
           </a:p>
@@ -1803,7 +1792,7 @@
           <a:p>
             <a:fld id="{37E1CD9B-5BD6-1645-9491-89E4F34F20BE}" type="datetimeFigureOut">
               <a:rPr kumimoji="1" lang="zh-CN" altLang="en-US" smtClean="0"/>
-              <a:t>2020/10/29</a:t>
+              <a:t>2022/9/6</a:t>
             </a:fld>
             <a:endParaRPr kumimoji="1" lang="zh-CN" altLang="en-US"/>
           </a:p>
@@ -1916,7 +1905,7 @@
           <a:p>
             <a:fld id="{37E1CD9B-5BD6-1645-9491-89E4F34F20BE}" type="datetimeFigureOut">
               <a:rPr kumimoji="1" lang="zh-CN" altLang="en-US" smtClean="0"/>
-              <a:t>2020/10/29</a:t>
+              <a:t>2022/9/6</a:t>
             </a:fld>
             <a:endParaRPr kumimoji="1" lang="zh-CN" altLang="en-US"/>
           </a:p>
@@ -2205,7 +2194,7 @@
           <a:p>
             <a:fld id="{37E1CD9B-5BD6-1645-9491-89E4F34F20BE}" type="datetimeFigureOut">
               <a:rPr kumimoji="1" lang="zh-CN" altLang="en-US" smtClean="0"/>
-              <a:t>2020/10/29</a:t>
+              <a:t>2022/9/6</a:t>
             </a:fld>
             <a:endParaRPr kumimoji="1" lang="zh-CN" altLang="en-US"/>
           </a:p>
@@ -2496,7 +2485,7 @@
           <a:p>
             <a:fld id="{37E1CD9B-5BD6-1645-9491-89E4F34F20BE}" type="datetimeFigureOut">
               <a:rPr kumimoji="1" lang="zh-CN" altLang="en-US" smtClean="0"/>
-              <a:t>2020/10/29</a:t>
+              <a:t>2022/9/6</a:t>
             </a:fld>
             <a:endParaRPr kumimoji="1" lang="zh-CN" altLang="en-US"/>
           </a:p>
@@ -2712,7 +2701,7 @@
           <a:p>
             <a:fld id="{37E1CD9B-5BD6-1645-9491-89E4F34F20BE}" type="datetimeFigureOut">
               <a:rPr kumimoji="1" lang="zh-CN" altLang="en-US" smtClean="0"/>
-              <a:t>2020/10/29</a:t>
+              <a:t>2022/9/6</a:t>
             </a:fld>
             <a:endParaRPr kumimoji="1" lang="zh-CN" altLang="en-US"/>
           </a:p>
@@ -3156,7 +3145,7 @@
             </a:r>
             <a:r>
               <a:rPr kumimoji="1" lang="zh-CN" altLang="en-US" dirty="0"/>
-              <a:t>环境安装或云平台</a:t>
+              <a:t>环境安装</a:t>
             </a:r>
           </a:p>
         </p:txBody>
@@ -3190,779 +3179,6 @@
     <p:extLst>
       <p:ext uri="{BB962C8B-B14F-4D97-AF65-F5344CB8AC3E}">
         <p14:creationId xmlns:p14="http://schemas.microsoft.com/office/powerpoint/2010/main" val="94907994"/>
-      </p:ext>
-    </p:extLst>
-  </p:cSld>
-  <p:clrMapOvr>
-    <a:masterClrMapping/>
-  </p:clrMapOvr>
-</p:sld>
-</file>
-
-<file path=ppt/slides/slide10.xml><?xml version="1.0" encoding="utf-8"?>
-<p:sld xmlns:a="http://schemas.openxmlformats.org/drawingml/2006/main" xmlns:r="http://schemas.openxmlformats.org/officeDocument/2006/relationships" xmlns:p="http://schemas.openxmlformats.org/presentationml/2006/main">
-  <p:cSld>
-    <p:spTree>
-      <p:nvGrpSpPr>
-        <p:cNvPr id="1" name=""/>
-        <p:cNvGrpSpPr/>
-        <p:nvPr/>
-      </p:nvGrpSpPr>
-      <p:grpSpPr>
-        <a:xfrm>
-          <a:off x="0" y="0"/>
-          <a:ext cx="0" cy="0"/>
-          <a:chOff x="0" y="0"/>
-          <a:chExt cx="0" cy="0"/>
-        </a:xfrm>
-      </p:grpSpPr>
-      <p:sp>
-        <p:nvSpPr>
-          <p:cNvPr id="2" name="标题 1">
-            <a:extLst>
-              <a:ext uri="{FF2B5EF4-FFF2-40B4-BE49-F238E27FC236}">
-                <a16:creationId xmlns:a16="http://schemas.microsoft.com/office/drawing/2014/main" id="{ADFE6550-6BDE-F34C-B7D0-E9DD4C65DCA8}"/>
-              </a:ext>
-            </a:extLst>
-          </p:cNvPr>
-          <p:cNvSpPr>
-            <a:spLocks noGrp="1"/>
-          </p:cNvSpPr>
-          <p:nvPr>
-            <p:ph type="title"/>
-          </p:nvPr>
-        </p:nvSpPr>
-        <p:spPr/>
-        <p:txBody>
-          <a:bodyPr/>
-          <a:lstStyle/>
-          <a:p>
-            <a:r>
-              <a:rPr kumimoji="1" lang="zh-CN" altLang="en-US" dirty="0"/>
-              <a:t>创建工程</a:t>
-            </a:r>
-          </a:p>
-        </p:txBody>
-      </p:sp>
-      <p:sp>
-        <p:nvSpPr>
-          <p:cNvPr id="3" name="内容占位符 2">
-            <a:extLst>
-              <a:ext uri="{FF2B5EF4-FFF2-40B4-BE49-F238E27FC236}">
-                <a16:creationId xmlns:a16="http://schemas.microsoft.com/office/drawing/2014/main" id="{43250C5C-BB9E-1C4A-9634-F7E02F3728D8}"/>
-              </a:ext>
-            </a:extLst>
-          </p:cNvPr>
-          <p:cNvSpPr>
-            <a:spLocks noGrp="1"/>
-          </p:cNvSpPr>
-          <p:nvPr>
-            <p:ph idx="1"/>
-          </p:nvPr>
-        </p:nvSpPr>
-        <p:spPr/>
-        <p:txBody>
-          <a:bodyPr/>
-          <a:lstStyle/>
-          <a:p>
-            <a:endParaRPr kumimoji="1" lang="zh-CN" altLang="en-US"/>
-          </a:p>
-        </p:txBody>
-      </p:sp>
-      <p:pic>
-        <p:nvPicPr>
-          <p:cNvPr id="4" name="图片 3">
-            <a:extLst>
-              <a:ext uri="{FF2B5EF4-FFF2-40B4-BE49-F238E27FC236}">
-                <a16:creationId xmlns:a16="http://schemas.microsoft.com/office/drawing/2014/main" id="{4B23B1B6-9257-AE4B-B2EC-AF0F170EE86D}"/>
-              </a:ext>
-            </a:extLst>
-          </p:cNvPr>
-          <p:cNvPicPr>
-            <a:picLocks noChangeAspect="1"/>
-          </p:cNvPicPr>
-          <p:nvPr/>
-        </p:nvPicPr>
-        <p:blipFill>
-          <a:blip r:embed="rId2"/>
-          <a:stretch>
-            <a:fillRect/>
-          </a:stretch>
-        </p:blipFill>
-        <p:spPr>
-          <a:xfrm>
-            <a:off x="2023533" y="1690688"/>
-            <a:ext cx="7357211" cy="4917256"/>
-          </a:xfrm>
-          <a:prstGeom prst="rect">
-            <a:avLst/>
-          </a:prstGeom>
-        </p:spPr>
-      </p:pic>
-    </p:spTree>
-    <p:extLst>
-      <p:ext uri="{BB962C8B-B14F-4D97-AF65-F5344CB8AC3E}">
-        <p14:creationId xmlns:p14="http://schemas.microsoft.com/office/powerpoint/2010/main" val="3450249617"/>
-      </p:ext>
-    </p:extLst>
-  </p:cSld>
-  <p:clrMapOvr>
-    <a:masterClrMapping/>
-  </p:clrMapOvr>
-</p:sld>
-</file>
-
-<file path=ppt/slides/slide11.xml><?xml version="1.0" encoding="utf-8"?>
-<p:sld xmlns:a="http://schemas.openxmlformats.org/drawingml/2006/main" xmlns:r="http://schemas.openxmlformats.org/officeDocument/2006/relationships" xmlns:p="http://schemas.openxmlformats.org/presentationml/2006/main">
-  <p:cSld>
-    <p:spTree>
-      <p:nvGrpSpPr>
-        <p:cNvPr id="1" name=""/>
-        <p:cNvGrpSpPr/>
-        <p:nvPr/>
-      </p:nvGrpSpPr>
-      <p:grpSpPr>
-        <a:xfrm>
-          <a:off x="0" y="0"/>
-          <a:ext cx="0" cy="0"/>
-          <a:chOff x="0" y="0"/>
-          <a:chExt cx="0" cy="0"/>
-        </a:xfrm>
-      </p:grpSpPr>
-      <p:sp>
-        <p:nvSpPr>
-          <p:cNvPr id="2" name="标题 1">
-            <a:extLst>
-              <a:ext uri="{FF2B5EF4-FFF2-40B4-BE49-F238E27FC236}">
-                <a16:creationId xmlns:a16="http://schemas.microsoft.com/office/drawing/2014/main" id="{A928170C-8DF1-D64C-8C53-36796D2B504F}"/>
-              </a:ext>
-            </a:extLst>
-          </p:cNvPr>
-          <p:cNvSpPr>
-            <a:spLocks noGrp="1"/>
-          </p:cNvSpPr>
-          <p:nvPr>
-            <p:ph type="title"/>
-          </p:nvPr>
-        </p:nvSpPr>
-        <p:spPr/>
-        <p:txBody>
-          <a:bodyPr/>
-          <a:lstStyle/>
-          <a:p>
-            <a:r>
-              <a:rPr kumimoji="1" lang="zh-CN" altLang="en-US" dirty="0"/>
-              <a:t>启动工程</a:t>
-            </a:r>
-          </a:p>
-        </p:txBody>
-      </p:sp>
-      <p:sp>
-        <p:nvSpPr>
-          <p:cNvPr id="3" name="内容占位符 2">
-            <a:extLst>
-              <a:ext uri="{FF2B5EF4-FFF2-40B4-BE49-F238E27FC236}">
-                <a16:creationId xmlns:a16="http://schemas.microsoft.com/office/drawing/2014/main" id="{879DD7F8-1E21-7E40-BEBC-E8CD7B193F76}"/>
-              </a:ext>
-            </a:extLst>
-          </p:cNvPr>
-          <p:cNvSpPr>
-            <a:spLocks noGrp="1"/>
-          </p:cNvSpPr>
-          <p:nvPr>
-            <p:ph idx="1"/>
-          </p:nvPr>
-        </p:nvSpPr>
-        <p:spPr/>
-        <p:txBody>
-          <a:bodyPr/>
-          <a:lstStyle/>
-          <a:p>
-            <a:r>
-              <a:rPr kumimoji="1" lang="zh-CN" altLang="en-US" dirty="0"/>
-              <a:t>当绿色圆圈出现后，点击“操作”栏的“</a:t>
-            </a:r>
-            <a:r>
-              <a:rPr kumimoji="1" lang="en-US" altLang="zh-CN" dirty="0" err="1"/>
-              <a:t>i</a:t>
-            </a:r>
-            <a:r>
-              <a:rPr kumimoji="1" lang="zh-CN" altLang="en-US" dirty="0"/>
-              <a:t>”按钮</a:t>
-            </a:r>
-          </a:p>
-        </p:txBody>
-      </p:sp>
-      <p:pic>
-        <p:nvPicPr>
-          <p:cNvPr id="4" name="图片 3">
-            <a:extLst>
-              <a:ext uri="{FF2B5EF4-FFF2-40B4-BE49-F238E27FC236}">
-                <a16:creationId xmlns:a16="http://schemas.microsoft.com/office/drawing/2014/main" id="{702D9024-8188-BE42-926C-61AA35D5BC34}"/>
-              </a:ext>
-            </a:extLst>
-          </p:cNvPr>
-          <p:cNvPicPr>
-            <a:picLocks noChangeAspect="1"/>
-          </p:cNvPicPr>
-          <p:nvPr/>
-        </p:nvPicPr>
-        <p:blipFill>
-          <a:blip r:embed="rId2"/>
-          <a:stretch>
-            <a:fillRect/>
-          </a:stretch>
-        </p:blipFill>
-        <p:spPr>
-          <a:xfrm>
-            <a:off x="482600" y="2716842"/>
-            <a:ext cx="10964333" cy="2835603"/>
-          </a:xfrm>
-          <a:prstGeom prst="rect">
-            <a:avLst/>
-          </a:prstGeom>
-        </p:spPr>
-      </p:pic>
-    </p:spTree>
-    <p:extLst>
-      <p:ext uri="{BB962C8B-B14F-4D97-AF65-F5344CB8AC3E}">
-        <p14:creationId xmlns:p14="http://schemas.microsoft.com/office/powerpoint/2010/main" val="3596427536"/>
-      </p:ext>
-    </p:extLst>
-  </p:cSld>
-  <p:clrMapOvr>
-    <a:masterClrMapping/>
-  </p:clrMapOvr>
-</p:sld>
-</file>
-
-<file path=ppt/slides/slide12.xml><?xml version="1.0" encoding="utf-8"?>
-<p:sld xmlns:a="http://schemas.openxmlformats.org/drawingml/2006/main" xmlns:r="http://schemas.openxmlformats.org/officeDocument/2006/relationships" xmlns:p="http://schemas.openxmlformats.org/presentationml/2006/main">
-  <p:cSld>
-    <p:spTree>
-      <p:nvGrpSpPr>
-        <p:cNvPr id="1" name=""/>
-        <p:cNvGrpSpPr/>
-        <p:nvPr/>
-      </p:nvGrpSpPr>
-      <p:grpSpPr>
-        <a:xfrm>
-          <a:off x="0" y="0"/>
-          <a:ext cx="0" cy="0"/>
-          <a:chOff x="0" y="0"/>
-          <a:chExt cx="0" cy="0"/>
-        </a:xfrm>
-      </p:grpSpPr>
-      <p:sp>
-        <p:nvSpPr>
-          <p:cNvPr id="2" name="标题 1">
-            <a:extLst>
-              <a:ext uri="{FF2B5EF4-FFF2-40B4-BE49-F238E27FC236}">
-                <a16:creationId xmlns:a16="http://schemas.microsoft.com/office/drawing/2014/main" id="{91A0BCEB-B5EA-1D4F-B733-EECBAEF34C97}"/>
-              </a:ext>
-            </a:extLst>
-          </p:cNvPr>
-          <p:cNvSpPr>
-            <a:spLocks noGrp="1"/>
-          </p:cNvSpPr>
-          <p:nvPr>
-            <p:ph type="title"/>
-          </p:nvPr>
-        </p:nvSpPr>
-        <p:spPr/>
-        <p:txBody>
-          <a:bodyPr/>
-          <a:lstStyle/>
-          <a:p>
-            <a:r>
-              <a:rPr kumimoji="1" lang="zh-CN" altLang="en-US" dirty="0"/>
-              <a:t>开始实验</a:t>
-            </a:r>
-          </a:p>
-        </p:txBody>
-      </p:sp>
-      <p:sp>
-        <p:nvSpPr>
-          <p:cNvPr id="3" name="内容占位符 2">
-            <a:extLst>
-              <a:ext uri="{FF2B5EF4-FFF2-40B4-BE49-F238E27FC236}">
-                <a16:creationId xmlns:a16="http://schemas.microsoft.com/office/drawing/2014/main" id="{65B4FCDD-0C56-2546-8461-BB2C4107E2CD}"/>
-              </a:ext>
-            </a:extLst>
-          </p:cNvPr>
-          <p:cNvSpPr>
-            <a:spLocks noGrp="1"/>
-          </p:cNvSpPr>
-          <p:nvPr>
-            <p:ph idx="1"/>
-          </p:nvPr>
-        </p:nvSpPr>
-        <p:spPr/>
-        <p:txBody>
-          <a:bodyPr/>
-          <a:lstStyle/>
-          <a:p>
-            <a:endParaRPr kumimoji="1" lang="zh-CN" altLang="en-US"/>
-          </a:p>
-        </p:txBody>
-      </p:sp>
-      <p:pic>
-        <p:nvPicPr>
-          <p:cNvPr id="4" name="图片 3">
-            <a:extLst>
-              <a:ext uri="{FF2B5EF4-FFF2-40B4-BE49-F238E27FC236}">
-                <a16:creationId xmlns:a16="http://schemas.microsoft.com/office/drawing/2014/main" id="{798D978D-8434-784C-8308-7121A7DCA12A}"/>
-              </a:ext>
-            </a:extLst>
-          </p:cNvPr>
-          <p:cNvPicPr>
-            <a:picLocks noChangeAspect="1"/>
-          </p:cNvPicPr>
-          <p:nvPr/>
-        </p:nvPicPr>
-        <p:blipFill>
-          <a:blip r:embed="rId2"/>
-          <a:stretch>
-            <a:fillRect/>
-          </a:stretch>
-        </p:blipFill>
-        <p:spPr>
-          <a:xfrm>
-            <a:off x="838200" y="1690688"/>
-            <a:ext cx="10727267" cy="4958831"/>
-          </a:xfrm>
-          <a:prstGeom prst="rect">
-            <a:avLst/>
-          </a:prstGeom>
-        </p:spPr>
-      </p:pic>
-      <p:sp>
-        <p:nvSpPr>
-          <p:cNvPr id="5" name="文本框 4">
-            <a:extLst>
-              <a:ext uri="{FF2B5EF4-FFF2-40B4-BE49-F238E27FC236}">
-                <a16:creationId xmlns:a16="http://schemas.microsoft.com/office/drawing/2014/main" id="{EC641FB7-52F5-344E-A2DA-5ADB29036CD0}"/>
-              </a:ext>
-            </a:extLst>
-          </p:cNvPr>
-          <p:cNvSpPr txBox="1"/>
-          <p:nvPr/>
-        </p:nvSpPr>
-        <p:spPr>
-          <a:xfrm>
-            <a:off x="4015926" y="757793"/>
-            <a:ext cx="1998133" cy="369332"/>
-          </a:xfrm>
-          <a:prstGeom prst="rect">
-            <a:avLst/>
-          </a:prstGeom>
-          <a:noFill/>
-        </p:spPr>
-        <p:txBody>
-          <a:bodyPr wrap="square" rtlCol="0">
-            <a:spAutoFit/>
-          </a:bodyPr>
-          <a:lstStyle/>
-          <a:p>
-            <a:r>
-              <a:rPr kumimoji="1" lang="zh-CN" altLang="en-US" dirty="0"/>
-              <a:t>上传代码和数据</a:t>
-            </a:r>
-          </a:p>
-        </p:txBody>
-      </p:sp>
-      <p:cxnSp>
-        <p:nvCxnSpPr>
-          <p:cNvPr id="7" name="直线箭头连接符 6">
-            <a:extLst>
-              <a:ext uri="{FF2B5EF4-FFF2-40B4-BE49-F238E27FC236}">
-                <a16:creationId xmlns:a16="http://schemas.microsoft.com/office/drawing/2014/main" id="{B2EFB07C-ADA4-BD47-8403-7BAA707BDD4C}"/>
-              </a:ext>
-            </a:extLst>
-          </p:cNvPr>
-          <p:cNvCxnSpPr/>
-          <p:nvPr/>
-        </p:nvCxnSpPr>
-        <p:spPr>
-          <a:xfrm flipH="1">
-            <a:off x="2474993" y="1127125"/>
-            <a:ext cx="1540933" cy="1397000"/>
-          </a:xfrm>
-          <a:prstGeom prst="straightConnector1">
-            <a:avLst/>
-          </a:prstGeom>
-          <a:ln w="31750">
-            <a:solidFill>
-              <a:srgbClr val="FF0000"/>
-            </a:solidFill>
-            <a:tailEnd type="triangle"/>
-          </a:ln>
-        </p:spPr>
-        <p:style>
-          <a:lnRef idx="1">
-            <a:schemeClr val="accent1"/>
-          </a:lnRef>
-          <a:fillRef idx="0">
-            <a:schemeClr val="accent1"/>
-          </a:fillRef>
-          <a:effectRef idx="0">
-            <a:schemeClr val="accent1"/>
-          </a:effectRef>
-          <a:fontRef idx="minor">
-            <a:schemeClr val="tx1"/>
-          </a:fontRef>
-        </p:style>
-      </p:cxnSp>
-    </p:spTree>
-    <p:extLst>
-      <p:ext uri="{BB962C8B-B14F-4D97-AF65-F5344CB8AC3E}">
-        <p14:creationId xmlns:p14="http://schemas.microsoft.com/office/powerpoint/2010/main" val="3688154809"/>
-      </p:ext>
-    </p:extLst>
-  </p:cSld>
-  <p:clrMapOvr>
-    <a:masterClrMapping/>
-  </p:clrMapOvr>
-</p:sld>
-</file>
-
-<file path=ppt/slides/slide13.xml><?xml version="1.0" encoding="utf-8"?>
-<p:sld xmlns:a="http://schemas.openxmlformats.org/drawingml/2006/main" xmlns:r="http://schemas.openxmlformats.org/officeDocument/2006/relationships" xmlns:p="http://schemas.openxmlformats.org/presentationml/2006/main">
-  <p:cSld>
-    <p:spTree>
-      <p:nvGrpSpPr>
-        <p:cNvPr id="1" name=""/>
-        <p:cNvGrpSpPr/>
-        <p:nvPr/>
-      </p:nvGrpSpPr>
-      <p:grpSpPr>
-        <a:xfrm>
-          <a:off x="0" y="0"/>
-          <a:ext cx="0" cy="0"/>
-          <a:chOff x="0" y="0"/>
-          <a:chExt cx="0" cy="0"/>
-        </a:xfrm>
-      </p:grpSpPr>
-      <p:sp>
-        <p:nvSpPr>
-          <p:cNvPr id="2" name="标题 1">
-            <a:extLst>
-              <a:ext uri="{FF2B5EF4-FFF2-40B4-BE49-F238E27FC236}">
-                <a16:creationId xmlns:a16="http://schemas.microsoft.com/office/drawing/2014/main" id="{869647F0-F085-1D4A-8A3E-6159C3FE51BD}"/>
-              </a:ext>
-            </a:extLst>
-          </p:cNvPr>
-          <p:cNvSpPr>
-            <a:spLocks noGrp="1"/>
-          </p:cNvSpPr>
-          <p:nvPr>
-            <p:ph type="title"/>
-          </p:nvPr>
-        </p:nvSpPr>
-        <p:spPr/>
-        <p:txBody>
-          <a:bodyPr/>
-          <a:lstStyle/>
-          <a:p>
-            <a:r>
-              <a:rPr kumimoji="1" lang="zh-CN" altLang="en-US" dirty="0"/>
-              <a:t>启动实验代码</a:t>
-            </a:r>
-          </a:p>
-        </p:txBody>
-      </p:sp>
-      <p:sp>
-        <p:nvSpPr>
-          <p:cNvPr id="3" name="内容占位符 2">
-            <a:extLst>
-              <a:ext uri="{FF2B5EF4-FFF2-40B4-BE49-F238E27FC236}">
-                <a16:creationId xmlns:a16="http://schemas.microsoft.com/office/drawing/2014/main" id="{8853D4D7-42D3-6C41-9FFD-13BC2016A6D7}"/>
-              </a:ext>
-            </a:extLst>
-          </p:cNvPr>
-          <p:cNvSpPr>
-            <a:spLocks noGrp="1"/>
-          </p:cNvSpPr>
-          <p:nvPr>
-            <p:ph idx="1"/>
-          </p:nvPr>
-        </p:nvSpPr>
-        <p:spPr/>
-        <p:txBody>
-          <a:bodyPr/>
-          <a:lstStyle/>
-          <a:p>
-            <a:r>
-              <a:rPr kumimoji="1" lang="zh-CN" altLang="en-US" dirty="0"/>
-              <a:t>双击</a:t>
-            </a:r>
-            <a:r>
-              <a:rPr kumimoji="1" lang="en-US" altLang="zh-CN" dirty="0" err="1"/>
-              <a:t>ipynb</a:t>
-            </a:r>
-            <a:r>
-              <a:rPr kumimoji="1" lang="zh-CN" altLang="en-US" dirty="0"/>
-              <a:t>文件</a:t>
-            </a:r>
-            <a:r>
-              <a:rPr kumimoji="1" lang="en-US" altLang="zh-CN" dirty="0"/>
-              <a:t>					</a:t>
-            </a:r>
-            <a:r>
-              <a:rPr kumimoji="1" lang="zh-CN" altLang="en-US" dirty="0"/>
-              <a:t>选择</a:t>
-            </a:r>
-            <a:r>
-              <a:rPr kumimoji="1" lang="en-US" altLang="zh-CN" dirty="0" err="1"/>
-              <a:t>PySpark</a:t>
-            </a:r>
-            <a:r>
-              <a:rPr kumimoji="1" lang="zh-CN" altLang="en-US" dirty="0"/>
-              <a:t> </a:t>
-            </a:r>
-            <a:r>
-              <a:rPr kumimoji="1" lang="en-US" altLang="zh-CN" dirty="0"/>
-              <a:t>Kernel</a:t>
-            </a:r>
-            <a:endParaRPr kumimoji="1" lang="zh-CN" altLang="en-US" dirty="0"/>
-          </a:p>
-        </p:txBody>
-      </p:sp>
-      <p:pic>
-        <p:nvPicPr>
-          <p:cNvPr id="4" name="图片 3">
-            <a:extLst>
-              <a:ext uri="{FF2B5EF4-FFF2-40B4-BE49-F238E27FC236}">
-                <a16:creationId xmlns:a16="http://schemas.microsoft.com/office/drawing/2014/main" id="{318DB4AE-7845-954B-9942-A8297508D2A2}"/>
-              </a:ext>
-            </a:extLst>
-          </p:cNvPr>
-          <p:cNvPicPr>
-            <a:picLocks noChangeAspect="1"/>
-          </p:cNvPicPr>
-          <p:nvPr/>
-        </p:nvPicPr>
-        <p:blipFill>
-          <a:blip r:embed="rId2"/>
-          <a:stretch>
-            <a:fillRect/>
-          </a:stretch>
-        </p:blipFill>
-        <p:spPr>
-          <a:xfrm>
-            <a:off x="380562" y="2870591"/>
-            <a:ext cx="10973238" cy="3306372"/>
-          </a:xfrm>
-          <a:prstGeom prst="rect">
-            <a:avLst/>
-          </a:prstGeom>
-        </p:spPr>
-      </p:pic>
-      <p:cxnSp>
-        <p:nvCxnSpPr>
-          <p:cNvPr id="5" name="直线箭头连接符 4">
-            <a:extLst>
-              <a:ext uri="{FF2B5EF4-FFF2-40B4-BE49-F238E27FC236}">
-                <a16:creationId xmlns:a16="http://schemas.microsoft.com/office/drawing/2014/main" id="{CDFEB9B4-F050-344D-ABA6-175561B93C8C}"/>
-              </a:ext>
-            </a:extLst>
-          </p:cNvPr>
-          <p:cNvCxnSpPr>
-            <a:cxnSpLocks/>
-          </p:cNvCxnSpPr>
-          <p:nvPr/>
-        </p:nvCxnSpPr>
-        <p:spPr>
-          <a:xfrm flipH="1">
-            <a:off x="1945753" y="2441749"/>
-            <a:ext cx="385465" cy="2258045"/>
-          </a:xfrm>
-          <a:prstGeom prst="straightConnector1">
-            <a:avLst/>
-          </a:prstGeom>
-          <a:ln w="31750">
-            <a:solidFill>
-              <a:srgbClr val="FF0000"/>
-            </a:solidFill>
-            <a:tailEnd type="triangle"/>
-          </a:ln>
-        </p:spPr>
-        <p:style>
-          <a:lnRef idx="1">
-            <a:schemeClr val="accent1"/>
-          </a:lnRef>
-          <a:fillRef idx="0">
-            <a:schemeClr val="accent1"/>
-          </a:fillRef>
-          <a:effectRef idx="0">
-            <a:schemeClr val="accent1"/>
-          </a:effectRef>
-          <a:fontRef idx="minor">
-            <a:schemeClr val="tx1"/>
-          </a:fontRef>
-        </p:style>
-      </p:cxnSp>
-      <p:cxnSp>
-        <p:nvCxnSpPr>
-          <p:cNvPr id="7" name="直线箭头连接符 6">
-            <a:extLst>
-              <a:ext uri="{FF2B5EF4-FFF2-40B4-BE49-F238E27FC236}">
-                <a16:creationId xmlns:a16="http://schemas.microsoft.com/office/drawing/2014/main" id="{A8B5EA99-95CA-8549-B924-D882249E87F1}"/>
-              </a:ext>
-            </a:extLst>
-          </p:cNvPr>
-          <p:cNvCxnSpPr>
-            <a:cxnSpLocks/>
-          </p:cNvCxnSpPr>
-          <p:nvPr/>
-        </p:nvCxnSpPr>
-        <p:spPr>
-          <a:xfrm>
-            <a:off x="8892699" y="2441749"/>
-            <a:ext cx="1678167" cy="1559545"/>
-          </a:xfrm>
-          <a:prstGeom prst="straightConnector1">
-            <a:avLst/>
-          </a:prstGeom>
-          <a:ln w="31750">
-            <a:solidFill>
-              <a:srgbClr val="FF0000"/>
-            </a:solidFill>
-            <a:tailEnd type="triangle"/>
-          </a:ln>
-        </p:spPr>
-        <p:style>
-          <a:lnRef idx="1">
-            <a:schemeClr val="accent1"/>
-          </a:lnRef>
-          <a:fillRef idx="0">
-            <a:schemeClr val="accent1"/>
-          </a:fillRef>
-          <a:effectRef idx="0">
-            <a:schemeClr val="accent1"/>
-          </a:effectRef>
-          <a:fontRef idx="minor">
-            <a:schemeClr val="tx1"/>
-          </a:fontRef>
-        </p:style>
-      </p:cxnSp>
-    </p:spTree>
-    <p:extLst>
-      <p:ext uri="{BB962C8B-B14F-4D97-AF65-F5344CB8AC3E}">
-        <p14:creationId xmlns:p14="http://schemas.microsoft.com/office/powerpoint/2010/main" val="2967061547"/>
-      </p:ext>
-    </p:extLst>
-  </p:cSld>
-  <p:clrMapOvr>
-    <a:masterClrMapping/>
-  </p:clrMapOvr>
-</p:sld>
-</file>
-
-<file path=ppt/slides/slide14.xml><?xml version="1.0" encoding="utf-8"?>
-<p:sld xmlns:a="http://schemas.openxmlformats.org/drawingml/2006/main" xmlns:r="http://schemas.openxmlformats.org/officeDocument/2006/relationships" xmlns:p="http://schemas.openxmlformats.org/presentationml/2006/main">
-  <p:cSld>
-    <p:spTree>
-      <p:nvGrpSpPr>
-        <p:cNvPr id="1" name=""/>
-        <p:cNvGrpSpPr/>
-        <p:nvPr/>
-      </p:nvGrpSpPr>
-      <p:grpSpPr>
-        <a:xfrm>
-          <a:off x="0" y="0"/>
-          <a:ext cx="0" cy="0"/>
-          <a:chOff x="0" y="0"/>
-          <a:chExt cx="0" cy="0"/>
-        </a:xfrm>
-      </p:grpSpPr>
-      <p:sp>
-        <p:nvSpPr>
-          <p:cNvPr id="2" name="标题 1">
-            <a:extLst>
-              <a:ext uri="{FF2B5EF4-FFF2-40B4-BE49-F238E27FC236}">
-                <a16:creationId xmlns:a16="http://schemas.microsoft.com/office/drawing/2014/main" id="{70C7CB97-2DDF-2347-998D-A185BC28E442}"/>
-              </a:ext>
-            </a:extLst>
-          </p:cNvPr>
-          <p:cNvSpPr>
-            <a:spLocks noGrp="1"/>
-          </p:cNvSpPr>
-          <p:nvPr>
-            <p:ph type="title"/>
-          </p:nvPr>
-        </p:nvSpPr>
-        <p:spPr/>
-        <p:txBody>
-          <a:bodyPr/>
-          <a:lstStyle/>
-          <a:p>
-            <a:r>
-              <a:rPr kumimoji="1" lang="zh-CN" altLang="en-US" dirty="0"/>
-              <a:t>注意事项</a:t>
-            </a:r>
-          </a:p>
-        </p:txBody>
-      </p:sp>
-      <p:sp>
-        <p:nvSpPr>
-          <p:cNvPr id="3" name="内容占位符 2">
-            <a:extLst>
-              <a:ext uri="{FF2B5EF4-FFF2-40B4-BE49-F238E27FC236}">
-                <a16:creationId xmlns:a16="http://schemas.microsoft.com/office/drawing/2014/main" id="{D2E40FCA-CFEE-814B-9A52-353BC2EF2F96}"/>
-              </a:ext>
-            </a:extLst>
-          </p:cNvPr>
-          <p:cNvSpPr>
-            <a:spLocks noGrp="1"/>
-          </p:cNvSpPr>
-          <p:nvPr>
-            <p:ph idx="1"/>
-          </p:nvPr>
-        </p:nvSpPr>
-        <p:spPr/>
-        <p:txBody>
-          <a:bodyPr/>
-          <a:lstStyle/>
-          <a:p>
-            <a:r>
-              <a:rPr kumimoji="1" lang="zh-CN" altLang="en-US" dirty="0"/>
-              <a:t>上传数据后，如果代码还是找不到，则在</a:t>
-            </a:r>
-            <a:r>
-              <a:rPr kumimoji="1" lang="en-US" altLang="zh-CN" dirty="0"/>
-              <a:t>Code</a:t>
-            </a:r>
-            <a:r>
-              <a:rPr kumimoji="1" lang="zh-CN" altLang="en-US" dirty="0"/>
-              <a:t>框中，输入下面的命令看文件是否出现</a:t>
-            </a:r>
-            <a:endParaRPr kumimoji="1" lang="en-US" altLang="zh-CN" dirty="0"/>
-          </a:p>
-          <a:p>
-            <a:endParaRPr kumimoji="1" lang="en-US" altLang="zh-CN" dirty="0"/>
-          </a:p>
-          <a:p>
-            <a:r>
-              <a:rPr kumimoji="1" lang="en-US" altLang="zh-CN" dirty="0"/>
-              <a:t>!ls </a:t>
-            </a:r>
-          </a:p>
-          <a:p>
-            <a:endParaRPr kumimoji="1" lang="en-US" altLang="zh-CN" dirty="0"/>
-          </a:p>
-          <a:p>
-            <a:r>
-              <a:rPr kumimoji="1" lang="zh-CN" altLang="en-US" dirty="0"/>
-              <a:t>如果没有出现，则退出工程，再进一次。</a:t>
-            </a:r>
-          </a:p>
-        </p:txBody>
-      </p:sp>
-    </p:spTree>
-    <p:extLst>
-      <p:ext uri="{BB962C8B-B14F-4D97-AF65-F5344CB8AC3E}">
-        <p14:creationId xmlns:p14="http://schemas.microsoft.com/office/powerpoint/2010/main" val="3315900544"/>
       </p:ext>
     </p:extLst>
   </p:cSld>
@@ -3994,7 +3210,7 @@
           <p:cNvPr id="2" name="标题 1">
             <a:extLst>
               <a:ext uri="{FF2B5EF4-FFF2-40B4-BE49-F238E27FC236}">
-                <a16:creationId xmlns:a16="http://schemas.microsoft.com/office/drawing/2014/main" id="{63A8A50D-DD63-254D-89BE-0943C57991A9}"/>
+                <a16:creationId xmlns:a16="http://schemas.microsoft.com/office/drawing/2014/main" id="{AB334ACC-8F80-BE48-8A18-DC2FEA2B4CBC}"/>
               </a:ext>
             </a:extLst>
           </p:cNvPr>
@@ -4016,7 +3232,15 @@
             </a:r>
             <a:r>
               <a:rPr kumimoji="1" lang="zh-CN" altLang="en-US" dirty="0"/>
-              <a:t>安装（本地）</a:t>
+              <a:t>安装（</a:t>
+            </a:r>
+            <a:r>
+              <a:rPr kumimoji="1" lang="en-US" altLang="zh-CN" dirty="0"/>
+              <a:t>Docker</a:t>
+            </a:r>
+            <a:r>
+              <a:rPr kumimoji="1" lang="zh-CN" altLang="en-US" dirty="0"/>
+              <a:t>方式）</a:t>
             </a:r>
           </a:p>
         </p:txBody>
@@ -4026,7 +3250,7 @@
           <p:cNvPr id="3" name="内容占位符 2">
             <a:extLst>
               <a:ext uri="{FF2B5EF4-FFF2-40B4-BE49-F238E27FC236}">
-                <a16:creationId xmlns:a16="http://schemas.microsoft.com/office/drawing/2014/main" id="{272E1CDC-75EB-0F40-805A-011755D7B071}"/>
+                <a16:creationId xmlns:a16="http://schemas.microsoft.com/office/drawing/2014/main" id="{FCA22CF6-E7E4-DF4A-8DD5-C6A54C22598E}"/>
               </a:ext>
             </a:extLst>
           </p:cNvPr>
@@ -4039,73 +3263,134 @@
         </p:nvSpPr>
         <p:spPr/>
         <p:txBody>
-          <a:bodyPr/>
-          <a:lstStyle/>
-          <a:p>
-            <a:r>
-              <a:rPr lang="en-US" altLang="zh-CN" dirty="0">
+          <a:bodyPr>
+            <a:normAutofit/>
+          </a:bodyPr>
+          <a:lstStyle/>
+          <a:p>
+            <a:pPr lvl="1" fontAlgn="base"/>
+            <a:r>
+              <a:rPr lang="zh-CN" altLang="en-US" dirty="0"/>
+              <a:t>说明：</a:t>
+            </a:r>
+            <a:r>
+              <a:rPr lang="en-US" altLang="zh-CN" u="sng" dirty="0">
                 <a:hlinkClick r:id="rId2"/>
               </a:rPr>
-              <a:t>https://blog.csdn.net/weixin_42902669/article/details/103055046</a:t>
+              <a:t>https://mas-dse.github.io/DSE230/installation/</a:t>
+            </a:r>
+            <a:r>
+              <a:rPr lang="en-US" altLang="zh-CN" dirty="0"/>
+              <a:t> </a:t>
+            </a:r>
+          </a:p>
+          <a:p>
+            <a:pPr lvl="2" fontAlgn="base"/>
+            <a:r>
+              <a:rPr lang="zh-CN" altLang="en-US" dirty="0"/>
+              <a:t>包括 </a:t>
+            </a:r>
+            <a:r>
+              <a:rPr lang="en-US" altLang="zh-CN" dirty="0"/>
+              <a:t>Docker </a:t>
+            </a:r>
+            <a:r>
+              <a:rPr lang="zh-CN" altLang="en-US" dirty="0"/>
+              <a:t>一键安装 和 本地安装 两种。</a:t>
+            </a:r>
+          </a:p>
+          <a:p>
+            <a:pPr lvl="2" fontAlgn="base"/>
+            <a:r>
+              <a:rPr lang="zh-CN" altLang="en-US" dirty="0"/>
+              <a:t>推荐 </a:t>
+            </a:r>
+            <a:r>
+              <a:rPr lang="en-US" altLang="zh-CN" dirty="0"/>
+              <a:t>Docker </a:t>
+            </a:r>
+            <a:r>
+              <a:rPr lang="zh-CN" altLang="en-US" dirty="0"/>
+              <a:t>安装。会下载 数</a:t>
+            </a:r>
+            <a:r>
+              <a:rPr lang="en-US" altLang="zh-CN" dirty="0"/>
+              <a:t>G </a:t>
+            </a:r>
+            <a:r>
+              <a:rPr lang="zh-CN" altLang="en-US" dirty="0"/>
+              <a:t>的文件，所以需要花费数小时 下载。建议睡前安装，睡一觉再起来看。安装前，请确保硬盘有 </a:t>
+            </a:r>
+            <a:r>
+              <a:rPr lang="en-US" altLang="zh-CN" dirty="0"/>
+              <a:t>10G </a:t>
+            </a:r>
+            <a:r>
+              <a:rPr lang="zh-CN" altLang="en-US" dirty="0"/>
+              <a:t>空余空间。</a:t>
             </a:r>
             <a:endParaRPr lang="en-US" altLang="zh-CN" dirty="0"/>
           </a:p>
           <a:p>
+            <a:pPr lvl="2" fontAlgn="base"/>
+            <a:r>
+              <a:rPr kumimoji="1" lang="zh-CN" altLang="en-US" dirty="0"/>
+              <a:t>这个</a:t>
+            </a:r>
+            <a:r>
+              <a:rPr kumimoji="1" lang="en-US" altLang="zh-CN" dirty="0"/>
+              <a:t>docker</a:t>
+            </a:r>
+            <a:r>
+              <a:rPr kumimoji="1" lang="zh-CN" altLang="en-US" dirty="0"/>
+              <a:t>包括的库很丰富，很棒，</a:t>
+            </a:r>
+            <a:r>
+              <a:rPr kumimoji="1" lang="en-US" altLang="zh-CN" dirty="0"/>
+              <a:t>spark</a:t>
+            </a:r>
+            <a:r>
+              <a:rPr kumimoji="1" lang="zh-CN" altLang="en-US" dirty="0"/>
+              <a:t>，机器学习，深度学习的都有了：</a:t>
+            </a:r>
             <a:r>
               <a:rPr lang="en-US" altLang="zh-CN" dirty="0">
                 <a:hlinkClick r:id="rId3"/>
               </a:rPr>
-              <a:t>https://cloud.tencent.com/developer/article/1614367</a:t>
-            </a:r>
+              <a:t>https://hub.docker.com/r/ucsddse230/cse255-dse230</a:t>
+            </a:r>
+            <a:endParaRPr kumimoji="1" lang="en-US" altLang="zh-CN" dirty="0"/>
+          </a:p>
+          <a:p>
+            <a:pPr lvl="2" fontAlgn="base"/>
             <a:endParaRPr lang="en-US" altLang="zh-CN" dirty="0"/>
           </a:p>
           <a:p>
-            <a:r>
-              <a:rPr lang="en-US" altLang="zh-CN" dirty="0">
+            <a:pPr lvl="1" fontAlgn="base"/>
+            <a:r>
+              <a:rPr lang="zh-CN" altLang="en-US" dirty="0"/>
+              <a:t>参考课程材料：</a:t>
+            </a:r>
+            <a:endParaRPr kumimoji="1" lang="en-US" altLang="zh-CN" dirty="0">
+              <a:hlinkClick r:id="rId4"/>
+            </a:endParaRPr>
+          </a:p>
+          <a:p>
+            <a:pPr lvl="2"/>
+            <a:r>
+              <a:rPr kumimoji="1" lang="en-US" altLang="zh-CN" dirty="0">
                 <a:hlinkClick r:id="rId4"/>
               </a:rPr>
-              <a:t>https://blog.csdn.net/hecongqing/article/details/102938435</a:t>
-            </a:r>
-            <a:endParaRPr lang="en-US" altLang="zh-CN" dirty="0"/>
-          </a:p>
-          <a:p>
-            <a:r>
-              <a:rPr lang="en-US" altLang="zh-CN" dirty="0"/>
-              <a:t>windows10</a:t>
-            </a:r>
-            <a:r>
-              <a:rPr lang="zh-CN" altLang="en-US" dirty="0"/>
-              <a:t>下的安装教程</a:t>
-            </a:r>
-            <a:r>
-              <a:rPr lang="zh-CN" altLang="en-US"/>
-              <a:t>（同学分享）</a:t>
-            </a:r>
-            <a:endParaRPr lang="en-US" altLang="zh-CN" dirty="0"/>
-          </a:p>
-          <a:p>
-            <a:pPr lvl="1"/>
-            <a:r>
-              <a:rPr lang="en-US" altLang="zh-CN" dirty="0">
-                <a:hlinkClick r:id="rId5"/>
-              </a:rPr>
-              <a:t>https://blog.csdn.net/SunChao3555/article/details/84202769</a:t>
-            </a:r>
-            <a:endParaRPr lang="en-US" altLang="zh-CN" dirty="0"/>
-          </a:p>
-          <a:p>
-            <a:pPr lvl="1"/>
-            <a:endParaRPr lang="en-US" altLang="zh-CN" dirty="0"/>
-          </a:p>
-          <a:p>
-            <a:endParaRPr kumimoji="1" lang="zh-CN" altLang="en-US" dirty="0"/>
+              <a:t>https://courses.edx.org/courses/course-v1:UCSanDiegoX+DSE230x+3T2019/jump_to/block-v1:UCSanDiegoX+DSE230x+3T2019+type@vertical+block@ff752a67a23547db9efbc7769dc93987</a:t>
+            </a:r>
+            <a:endParaRPr kumimoji="1" lang="en-US" altLang="zh-CN" dirty="0"/>
           </a:p>
         </p:txBody>
       </p:sp>
     </p:spTree>
     <p:extLst>
       <p:ext uri="{BB962C8B-B14F-4D97-AF65-F5344CB8AC3E}">
-        <p14:creationId xmlns:p14="http://schemas.microsoft.com/office/powerpoint/2010/main" val="193830310"/>
+        <p14:creationId xmlns:p14="http://schemas.microsoft.com/office/powerpoint/2010/main" val="912376942"/>
       </p:ext>
     </p:extLst>
   </p:cSld>
@@ -4137,7 +3422,7 @@
           <p:cNvPr id="2" name="标题 1">
             <a:extLst>
               <a:ext uri="{FF2B5EF4-FFF2-40B4-BE49-F238E27FC236}">
-                <a16:creationId xmlns:a16="http://schemas.microsoft.com/office/drawing/2014/main" id="{AB334ACC-8F80-BE48-8A18-DC2FEA2B4CBC}"/>
+                <a16:creationId xmlns:a16="http://schemas.microsoft.com/office/drawing/2014/main" id="{63A8A50D-DD63-254D-89BE-0943C57991A9}"/>
               </a:ext>
             </a:extLst>
           </p:cNvPr>
@@ -4159,15 +3444,7 @@
             </a:r>
             <a:r>
               <a:rPr kumimoji="1" lang="zh-CN" altLang="en-US" dirty="0"/>
-              <a:t>安装（</a:t>
-            </a:r>
-            <a:r>
-              <a:rPr kumimoji="1" lang="en-US" altLang="zh-CN" dirty="0"/>
-              <a:t>Docker</a:t>
-            </a:r>
-            <a:r>
-              <a:rPr kumimoji="1" lang="zh-CN" altLang="en-US" dirty="0"/>
-              <a:t>方式）</a:t>
+              <a:t>安装（本地）</a:t>
             </a:r>
           </a:p>
         </p:txBody>
@@ -4177,7 +3454,7 @@
           <p:cNvPr id="3" name="内容占位符 2">
             <a:extLst>
               <a:ext uri="{FF2B5EF4-FFF2-40B4-BE49-F238E27FC236}">
-                <a16:creationId xmlns:a16="http://schemas.microsoft.com/office/drawing/2014/main" id="{FCA22CF6-E7E4-DF4A-8DD5-C6A54C22598E}"/>
+                <a16:creationId xmlns:a16="http://schemas.microsoft.com/office/drawing/2014/main" id="{272E1CDC-75EB-0F40-805A-011755D7B071}"/>
               </a:ext>
             </a:extLst>
           </p:cNvPr>
@@ -4190,49 +3467,67 @@
         </p:nvSpPr>
         <p:spPr/>
         <p:txBody>
-          <a:bodyPr>
-            <a:normAutofit/>
-          </a:bodyPr>
-          <a:lstStyle/>
+          <a:bodyPr/>
+          <a:lstStyle/>
+          <a:p>
+            <a:r>
+              <a:rPr lang="zh-CN" altLang="en-US" dirty="0"/>
+              <a:t>同学分享的一些链接，仅供参考</a:t>
+            </a:r>
+            <a:endParaRPr lang="en-US" altLang="zh-CN" dirty="0"/>
+          </a:p>
           <a:p>
             <a:pPr lvl="1"/>
             <a:r>
-              <a:rPr kumimoji="1" lang="en-US" altLang="zh-CN" dirty="0">
+              <a:rPr lang="en-US" altLang="zh-CN" dirty="0"/>
+              <a:t>https://blog.csdn.net/weixin_42902669/article/details/103055046</a:t>
+            </a:r>
+          </a:p>
+          <a:p>
+            <a:pPr lvl="1"/>
+            <a:r>
+              <a:rPr lang="en-US" altLang="zh-CN" dirty="0">
                 <a:hlinkClick r:id="rId2"/>
               </a:rPr>
-              <a:t>https://courses.edx.org/courses/course-v1:UCSanDiegoX+DSE230x+3T2019/jump_to/block-v1:UCSanDiegoX+DSE230x+3T2019+type@vertical+block@ff752a67a23547db9efbc7769dc93987</a:t>
-            </a:r>
-            <a:endParaRPr kumimoji="1" lang="en-US" altLang="zh-CN" dirty="0"/>
+              <a:t>https://cloud.tencent.com/developer/article/1614367</a:t>
+            </a:r>
+            <a:endParaRPr lang="en-US" altLang="zh-CN" dirty="0"/>
           </a:p>
           <a:p>
             <a:pPr lvl="1"/>
-            <a:r>
-              <a:rPr kumimoji="1" lang="zh-CN" altLang="en-US" dirty="0"/>
-              <a:t>这个</a:t>
-            </a:r>
-            <a:r>
-              <a:rPr kumimoji="1" lang="en-US" altLang="zh-CN" dirty="0"/>
-              <a:t>docker</a:t>
-            </a:r>
-            <a:r>
-              <a:rPr kumimoji="1" lang="zh-CN" altLang="en-US" dirty="0"/>
-              <a:t>包括的库很丰富，很棒，</a:t>
-            </a:r>
-            <a:r>
-              <a:rPr kumimoji="1" lang="en-US" altLang="zh-CN" dirty="0"/>
-              <a:t>spark</a:t>
-            </a:r>
-            <a:r>
-              <a:rPr kumimoji="1" lang="zh-CN" altLang="en-US" dirty="0"/>
-              <a:t>，机器学习，深度学习的都有了：</a:t>
-            </a:r>
             <a:r>
               <a:rPr lang="en-US" altLang="zh-CN" dirty="0">
                 <a:hlinkClick r:id="rId3"/>
               </a:rPr>
-              <a:t>https://hub.docker.com/r/ucsddse230/cse255-dse230</a:t>
-            </a:r>
-            <a:endParaRPr kumimoji="1" lang="en-US" altLang="zh-CN" dirty="0"/>
+              <a:t>https://blog.csdn.net/hecongqing/article/details/102938435</a:t>
+            </a:r>
+            <a:endParaRPr lang="en-US" altLang="zh-CN" dirty="0"/>
+          </a:p>
+          <a:p>
+            <a:pPr lvl="1"/>
+            <a:r>
+              <a:rPr lang="en-US" altLang="zh-CN" dirty="0"/>
+              <a:t>windows10</a:t>
+            </a:r>
+            <a:r>
+              <a:rPr lang="zh-CN" altLang="en-US" dirty="0"/>
+              <a:t>下的安装教程（同学分享）</a:t>
+            </a:r>
+            <a:endParaRPr lang="en-US" altLang="zh-CN" dirty="0"/>
+          </a:p>
+          <a:p>
+            <a:pPr lvl="1"/>
+            <a:r>
+              <a:rPr lang="en-US" altLang="zh-CN" dirty="0">
+                <a:hlinkClick r:id="rId4"/>
+              </a:rPr>
+              <a:t>https://blog.csdn.net/SunChao3555/article/details/84202769</a:t>
+            </a:r>
+            <a:endParaRPr lang="en-US" altLang="zh-CN" dirty="0"/>
+          </a:p>
+          <a:p>
+            <a:pPr lvl="1"/>
+            <a:endParaRPr lang="en-US" altLang="zh-CN" dirty="0"/>
           </a:p>
           <a:p>
             <a:endParaRPr kumimoji="1" lang="zh-CN" altLang="en-US" dirty="0"/>
@@ -4242,755 +3537,7 @@
     </p:spTree>
     <p:extLst>
       <p:ext uri="{BB962C8B-B14F-4D97-AF65-F5344CB8AC3E}">
-        <p14:creationId xmlns:p14="http://schemas.microsoft.com/office/powerpoint/2010/main" val="912376942"/>
-      </p:ext>
-    </p:extLst>
-  </p:cSld>
-  <p:clrMapOvr>
-    <a:masterClrMapping/>
-  </p:clrMapOvr>
-</p:sld>
-</file>
-
-<file path=ppt/slides/slide4.xml><?xml version="1.0" encoding="utf-8"?>
-<p:sld xmlns:a="http://schemas.openxmlformats.org/drawingml/2006/main" xmlns:r="http://schemas.openxmlformats.org/officeDocument/2006/relationships" xmlns:p="http://schemas.openxmlformats.org/presentationml/2006/main">
-  <p:cSld>
-    <p:spTree>
-      <p:nvGrpSpPr>
-        <p:cNvPr id="1" name=""/>
-        <p:cNvGrpSpPr/>
-        <p:nvPr/>
-      </p:nvGrpSpPr>
-      <p:grpSpPr>
-        <a:xfrm>
-          <a:off x="0" y="0"/>
-          <a:ext cx="0" cy="0"/>
-          <a:chOff x="0" y="0"/>
-          <a:chExt cx="0" cy="0"/>
-        </a:xfrm>
-      </p:grpSpPr>
-      <p:sp>
-        <p:nvSpPr>
-          <p:cNvPr id="2" name="标题 1">
-            <a:extLst>
-              <a:ext uri="{FF2B5EF4-FFF2-40B4-BE49-F238E27FC236}">
-                <a16:creationId xmlns:a16="http://schemas.microsoft.com/office/drawing/2014/main" id="{A43E8EC5-22F7-C84B-A0C2-2FDDB0F45C83}"/>
-              </a:ext>
-            </a:extLst>
-          </p:cNvPr>
-          <p:cNvSpPr>
-            <a:spLocks noGrp="1"/>
-          </p:cNvSpPr>
-          <p:nvPr>
-            <p:ph type="title"/>
-          </p:nvPr>
-        </p:nvSpPr>
-        <p:spPr/>
-        <p:txBody>
-          <a:bodyPr/>
-          <a:lstStyle/>
-          <a:p>
-            <a:r>
-              <a:rPr kumimoji="1" lang="en-US" altLang="zh-CN" dirty="0"/>
-              <a:t>Spark</a:t>
-            </a:r>
-            <a:r>
-              <a:rPr kumimoji="1" lang="zh-CN" altLang="en-US" dirty="0"/>
-              <a:t>平台（华为）</a:t>
-            </a:r>
-          </a:p>
-        </p:txBody>
-      </p:sp>
-      <p:sp>
-        <p:nvSpPr>
-          <p:cNvPr id="3" name="内容占位符 2">
-            <a:extLst>
-              <a:ext uri="{FF2B5EF4-FFF2-40B4-BE49-F238E27FC236}">
-                <a16:creationId xmlns:a16="http://schemas.microsoft.com/office/drawing/2014/main" id="{B641F14D-D687-A743-8181-18FF02A53E4D}"/>
-              </a:ext>
-            </a:extLst>
-          </p:cNvPr>
-          <p:cNvSpPr>
-            <a:spLocks noGrp="1"/>
-          </p:cNvSpPr>
-          <p:nvPr>
-            <p:ph idx="1"/>
-          </p:nvPr>
-        </p:nvSpPr>
-        <p:spPr/>
-        <p:txBody>
-          <a:bodyPr>
-            <a:normAutofit/>
-          </a:bodyPr>
-          <a:lstStyle/>
-          <a:p>
-            <a:r>
-              <a:rPr lang="zh-CN" altLang="en-US" dirty="0"/>
-              <a:t>华为网络人工智能引擎</a:t>
-            </a:r>
-            <a:endParaRPr lang="en-US" altLang="zh-CN" dirty="0"/>
-          </a:p>
-          <a:p>
-            <a:pPr lvl="1"/>
-            <a:r>
-              <a:rPr lang="en-US" altLang="zh-CN" dirty="0">
-                <a:hlinkClick r:id="rId2"/>
-              </a:rPr>
-              <a:t>https://www.hwtelcloud.com/</a:t>
-            </a:r>
-            <a:endParaRPr lang="en-US" altLang="zh-CN" dirty="0"/>
-          </a:p>
-          <a:p>
-            <a:r>
-              <a:rPr lang="en-US" altLang="zh-CN" dirty="0" err="1"/>
-              <a:t>JupyterLab</a:t>
-            </a:r>
-            <a:r>
-              <a:rPr lang="zh-CN" altLang="en-US" dirty="0"/>
-              <a:t> </a:t>
-            </a:r>
-            <a:r>
-              <a:rPr lang="en-US" altLang="zh-CN" dirty="0"/>
-              <a:t>-</a:t>
-            </a:r>
-            <a:r>
-              <a:rPr lang="zh-CN" altLang="en-US" dirty="0"/>
-              <a:t> </a:t>
-            </a:r>
-            <a:r>
-              <a:rPr lang="en-US" altLang="zh-CN" dirty="0"/>
-              <a:t>Spark</a:t>
-            </a:r>
-          </a:p>
-          <a:p>
-            <a:pPr lvl="1"/>
-            <a:endParaRPr lang="en-US" altLang="zh-CN" dirty="0"/>
-          </a:p>
-          <a:p>
-            <a:endParaRPr kumimoji="1" lang="zh-CN" altLang="en-US" dirty="0"/>
-          </a:p>
-        </p:txBody>
-      </p:sp>
-    </p:spTree>
-    <p:extLst>
-      <p:ext uri="{BB962C8B-B14F-4D97-AF65-F5344CB8AC3E}">
-        <p14:creationId xmlns:p14="http://schemas.microsoft.com/office/powerpoint/2010/main" val="388543507"/>
-      </p:ext>
-    </p:extLst>
-  </p:cSld>
-  <p:clrMapOvr>
-    <a:masterClrMapping/>
-  </p:clrMapOvr>
-</p:sld>
-</file>
-
-<file path=ppt/slides/slide5.xml><?xml version="1.0" encoding="utf-8"?>
-<p:sld xmlns:a="http://schemas.openxmlformats.org/drawingml/2006/main" xmlns:r="http://schemas.openxmlformats.org/officeDocument/2006/relationships" xmlns:p="http://schemas.openxmlformats.org/presentationml/2006/main">
-  <p:cSld>
-    <p:spTree>
-      <p:nvGrpSpPr>
-        <p:cNvPr id="1" name=""/>
-        <p:cNvGrpSpPr/>
-        <p:nvPr/>
-      </p:nvGrpSpPr>
-      <p:grpSpPr>
-        <a:xfrm>
-          <a:off x="0" y="0"/>
-          <a:ext cx="0" cy="0"/>
-          <a:chOff x="0" y="0"/>
-          <a:chExt cx="0" cy="0"/>
-        </a:xfrm>
-      </p:grpSpPr>
-      <p:sp>
-        <p:nvSpPr>
-          <p:cNvPr id="2" name="标题 1">
-            <a:extLst>
-              <a:ext uri="{FF2B5EF4-FFF2-40B4-BE49-F238E27FC236}">
-                <a16:creationId xmlns:a16="http://schemas.microsoft.com/office/drawing/2014/main" id="{C84354C8-959A-8B48-B453-237834A19ED8}"/>
-              </a:ext>
-            </a:extLst>
-          </p:cNvPr>
-          <p:cNvSpPr>
-            <a:spLocks noGrp="1"/>
-          </p:cNvSpPr>
-          <p:nvPr>
-            <p:ph type="title"/>
-          </p:nvPr>
-        </p:nvSpPr>
-        <p:spPr/>
-        <p:txBody>
-          <a:bodyPr/>
-          <a:lstStyle/>
-          <a:p>
-            <a:r>
-              <a:rPr kumimoji="1" lang="zh-CN" altLang="en-US" dirty="0"/>
-              <a:t>华为</a:t>
-            </a:r>
-            <a:r>
-              <a:rPr kumimoji="1" lang="en-US" altLang="zh-CN" dirty="0"/>
-              <a:t>Spark</a:t>
-            </a:r>
-            <a:r>
-              <a:rPr kumimoji="1" lang="zh-CN" altLang="en-US" dirty="0"/>
-              <a:t>练习环境</a:t>
-            </a:r>
-          </a:p>
-        </p:txBody>
-      </p:sp>
-      <p:sp>
-        <p:nvSpPr>
-          <p:cNvPr id="3" name="文本占位符 2">
-            <a:extLst>
-              <a:ext uri="{FF2B5EF4-FFF2-40B4-BE49-F238E27FC236}">
-                <a16:creationId xmlns:a16="http://schemas.microsoft.com/office/drawing/2014/main" id="{393ACAE0-BCCC-8A4B-A057-7EA4E9810025}"/>
-              </a:ext>
-            </a:extLst>
-          </p:cNvPr>
-          <p:cNvSpPr>
-            <a:spLocks noGrp="1"/>
-          </p:cNvSpPr>
-          <p:nvPr>
-            <p:ph type="body" idx="1"/>
-          </p:nvPr>
-        </p:nvSpPr>
-        <p:spPr/>
-        <p:txBody>
-          <a:bodyPr/>
-          <a:lstStyle/>
-          <a:p>
-            <a:endParaRPr kumimoji="1" lang="zh-CN" altLang="en-US"/>
-          </a:p>
-        </p:txBody>
-      </p:sp>
-    </p:spTree>
-    <p:extLst>
-      <p:ext uri="{BB962C8B-B14F-4D97-AF65-F5344CB8AC3E}">
-        <p14:creationId xmlns:p14="http://schemas.microsoft.com/office/powerpoint/2010/main" val="1352996420"/>
-      </p:ext>
-    </p:extLst>
-  </p:cSld>
-  <p:clrMapOvr>
-    <a:masterClrMapping/>
-  </p:clrMapOvr>
-</p:sld>
-</file>
-
-<file path=ppt/slides/slide6.xml><?xml version="1.0" encoding="utf-8"?>
-<p:sld xmlns:a="http://schemas.openxmlformats.org/drawingml/2006/main" xmlns:r="http://schemas.openxmlformats.org/officeDocument/2006/relationships" xmlns:p="http://schemas.openxmlformats.org/presentationml/2006/main">
-  <p:cSld>
-    <p:spTree>
-      <p:nvGrpSpPr>
-        <p:cNvPr id="1" name=""/>
-        <p:cNvGrpSpPr/>
-        <p:nvPr/>
-      </p:nvGrpSpPr>
-      <p:grpSpPr>
-        <a:xfrm>
-          <a:off x="0" y="0"/>
-          <a:ext cx="0" cy="0"/>
-          <a:chOff x="0" y="0"/>
-          <a:chExt cx="0" cy="0"/>
-        </a:xfrm>
-      </p:grpSpPr>
-      <p:sp>
-        <p:nvSpPr>
-          <p:cNvPr id="2" name="标题 1">
-            <a:extLst>
-              <a:ext uri="{FF2B5EF4-FFF2-40B4-BE49-F238E27FC236}">
-                <a16:creationId xmlns:a16="http://schemas.microsoft.com/office/drawing/2014/main" id="{A43E8EC5-22F7-C84B-A0C2-2FDDB0F45C83}"/>
-              </a:ext>
-            </a:extLst>
-          </p:cNvPr>
-          <p:cNvSpPr>
-            <a:spLocks noGrp="1"/>
-          </p:cNvSpPr>
-          <p:nvPr>
-            <p:ph type="title"/>
-          </p:nvPr>
-        </p:nvSpPr>
-        <p:spPr/>
-        <p:txBody>
-          <a:bodyPr/>
-          <a:lstStyle/>
-          <a:p>
-            <a:r>
-              <a:rPr kumimoji="1" lang="zh-CN" altLang="en-US" dirty="0"/>
-              <a:t>环境：华为电信云</a:t>
-            </a:r>
-          </a:p>
-        </p:txBody>
-      </p:sp>
-      <p:sp>
-        <p:nvSpPr>
-          <p:cNvPr id="3" name="内容占位符 2">
-            <a:extLst>
-              <a:ext uri="{FF2B5EF4-FFF2-40B4-BE49-F238E27FC236}">
-                <a16:creationId xmlns:a16="http://schemas.microsoft.com/office/drawing/2014/main" id="{B641F14D-D687-A743-8181-18FF02A53E4D}"/>
-              </a:ext>
-            </a:extLst>
-          </p:cNvPr>
-          <p:cNvSpPr>
-            <a:spLocks noGrp="1"/>
-          </p:cNvSpPr>
-          <p:nvPr>
-            <p:ph idx="1"/>
-          </p:nvPr>
-        </p:nvSpPr>
-        <p:spPr/>
-        <p:txBody>
-          <a:bodyPr>
-            <a:normAutofit/>
-          </a:bodyPr>
-          <a:lstStyle/>
-          <a:p>
-            <a:r>
-              <a:rPr lang="zh-CN" altLang="en-US" dirty="0"/>
-              <a:t>华为网络人工智能引擎</a:t>
-            </a:r>
-            <a:endParaRPr lang="en-US" altLang="zh-CN" dirty="0"/>
-          </a:p>
-          <a:p>
-            <a:pPr lvl="1"/>
-            <a:r>
-              <a:rPr lang="en-US" altLang="zh-CN" dirty="0">
-                <a:hlinkClick r:id="rId2"/>
-              </a:rPr>
-              <a:t>https://www.hwtelcloud.com/</a:t>
-            </a:r>
-            <a:endParaRPr lang="en-US" altLang="zh-CN" dirty="0"/>
-          </a:p>
-          <a:p>
-            <a:r>
-              <a:rPr lang="en-US" altLang="zh-CN" dirty="0"/>
-              <a:t>NAIE - </a:t>
-            </a:r>
-            <a:r>
-              <a:rPr lang="zh-CN" altLang="en-US" dirty="0"/>
-              <a:t>网络人工智能引擎比赛中心通用报名参赛指导</a:t>
-            </a:r>
-            <a:endParaRPr lang="en-US" altLang="zh-CN" dirty="0"/>
-          </a:p>
-          <a:p>
-            <a:pPr lvl="1"/>
-            <a:r>
-              <a:rPr lang="en-US" altLang="zh-CN" dirty="0">
-                <a:hlinkClick r:id="rId3"/>
-              </a:rPr>
-              <a:t>https://bbs.huaweicloud.com/forum/thread-51387-1-1.html</a:t>
-            </a:r>
-            <a:endParaRPr lang="en-US" altLang="zh-CN" dirty="0"/>
-          </a:p>
-          <a:p>
-            <a:pPr lvl="1"/>
-            <a:r>
-              <a:rPr lang="zh-CN" altLang="en-US" dirty="0"/>
-              <a:t>请随意参加一个比赛，以熟悉环境</a:t>
-            </a:r>
-            <a:endParaRPr lang="en-US" altLang="zh-CN" dirty="0"/>
-          </a:p>
-          <a:p>
-            <a:pPr lvl="1"/>
-            <a:r>
-              <a:rPr lang="zh-CN" altLang="en-US" dirty="0"/>
-              <a:t>本课程仅用到其中的“特征</a:t>
-            </a:r>
-            <a:r>
-              <a:rPr lang="zh-CN" altLang="en-US"/>
-              <a:t>工程”部分</a:t>
-            </a:r>
-            <a:endParaRPr lang="en-US" altLang="zh-CN" dirty="0"/>
-          </a:p>
-          <a:p>
-            <a:pPr lvl="1"/>
-            <a:endParaRPr lang="en-US" altLang="zh-CN" dirty="0"/>
-          </a:p>
-          <a:p>
-            <a:endParaRPr kumimoji="1" lang="zh-CN" altLang="en-US" dirty="0"/>
-          </a:p>
-        </p:txBody>
-      </p:sp>
-    </p:spTree>
-    <p:extLst>
-      <p:ext uri="{BB962C8B-B14F-4D97-AF65-F5344CB8AC3E}">
-        <p14:creationId xmlns:p14="http://schemas.microsoft.com/office/powerpoint/2010/main" val="3651443068"/>
-      </p:ext>
-    </p:extLst>
-  </p:cSld>
-  <p:clrMapOvr>
-    <a:masterClrMapping/>
-  </p:clrMapOvr>
-</p:sld>
-</file>
-
-<file path=ppt/slides/slide7.xml><?xml version="1.0" encoding="utf-8"?>
-<p:sld xmlns:a="http://schemas.openxmlformats.org/drawingml/2006/main" xmlns:r="http://schemas.openxmlformats.org/officeDocument/2006/relationships" xmlns:p="http://schemas.openxmlformats.org/presentationml/2006/main">
-  <p:cSld>
-    <p:spTree>
-      <p:nvGrpSpPr>
-        <p:cNvPr id="1" name=""/>
-        <p:cNvGrpSpPr/>
-        <p:nvPr/>
-      </p:nvGrpSpPr>
-      <p:grpSpPr>
-        <a:xfrm>
-          <a:off x="0" y="0"/>
-          <a:ext cx="0" cy="0"/>
-          <a:chOff x="0" y="0"/>
-          <a:chExt cx="0" cy="0"/>
-        </a:xfrm>
-      </p:grpSpPr>
-      <p:sp>
-        <p:nvSpPr>
-          <p:cNvPr id="2" name="标题 1">
-            <a:extLst>
-              <a:ext uri="{FF2B5EF4-FFF2-40B4-BE49-F238E27FC236}">
-                <a16:creationId xmlns:a16="http://schemas.microsoft.com/office/drawing/2014/main" id="{F0067147-4A3B-AD40-979A-26523503316B}"/>
-              </a:ext>
-            </a:extLst>
-          </p:cNvPr>
-          <p:cNvSpPr>
-            <a:spLocks noGrp="1"/>
-          </p:cNvSpPr>
-          <p:nvPr>
-            <p:ph type="title"/>
-          </p:nvPr>
-        </p:nvSpPr>
-        <p:spPr/>
-        <p:txBody>
-          <a:bodyPr/>
-          <a:lstStyle/>
-          <a:p>
-            <a:r>
-              <a:rPr kumimoji="1" lang="zh-CN" altLang="en-US" dirty="0"/>
-              <a:t>创建项目</a:t>
-            </a:r>
-          </a:p>
-        </p:txBody>
-      </p:sp>
-      <p:sp>
-        <p:nvSpPr>
-          <p:cNvPr id="3" name="内容占位符 2">
-            <a:extLst>
-              <a:ext uri="{FF2B5EF4-FFF2-40B4-BE49-F238E27FC236}">
-                <a16:creationId xmlns:a16="http://schemas.microsoft.com/office/drawing/2014/main" id="{733F0B44-BD6B-8244-820C-707E0113B490}"/>
-              </a:ext>
-            </a:extLst>
-          </p:cNvPr>
-          <p:cNvSpPr>
-            <a:spLocks noGrp="1"/>
-          </p:cNvSpPr>
-          <p:nvPr>
-            <p:ph idx="1"/>
-          </p:nvPr>
-        </p:nvSpPr>
-        <p:spPr/>
-        <p:txBody>
-          <a:bodyPr/>
-          <a:lstStyle/>
-          <a:p>
-            <a:r>
-              <a:rPr kumimoji="1" lang="zh-CN" altLang="en-US" dirty="0"/>
-              <a:t>进入“项目概览”</a:t>
-            </a:r>
-            <a:endParaRPr kumimoji="1" lang="en-US" altLang="zh-CN" dirty="0"/>
-          </a:p>
-          <a:p>
-            <a:r>
-              <a:rPr kumimoji="1" lang="zh-CN" altLang="en-US" dirty="0"/>
-              <a:t>在“特征工程”，</a:t>
-            </a:r>
-            <a:endParaRPr kumimoji="1" lang="en-US" altLang="zh-CN" dirty="0"/>
-          </a:p>
-          <a:p>
-            <a:pPr marL="0" indent="0">
-              <a:buNone/>
-            </a:pPr>
-            <a:r>
-              <a:rPr kumimoji="1" lang="zh-CN" altLang="en-US" dirty="0"/>
-              <a:t>选择“新建”</a:t>
-            </a:r>
-          </a:p>
-        </p:txBody>
-      </p:sp>
-      <p:pic>
-        <p:nvPicPr>
-          <p:cNvPr id="4" name="图片 3">
-            <a:extLst>
-              <a:ext uri="{FF2B5EF4-FFF2-40B4-BE49-F238E27FC236}">
-                <a16:creationId xmlns:a16="http://schemas.microsoft.com/office/drawing/2014/main" id="{5D0F40A2-8592-9849-990D-F416434E167A}"/>
-              </a:ext>
-            </a:extLst>
-          </p:cNvPr>
-          <p:cNvPicPr>
-            <a:picLocks noChangeAspect="1"/>
-          </p:cNvPicPr>
-          <p:nvPr/>
-        </p:nvPicPr>
-        <p:blipFill>
-          <a:blip r:embed="rId2"/>
-          <a:stretch>
-            <a:fillRect/>
-          </a:stretch>
-        </p:blipFill>
-        <p:spPr>
-          <a:xfrm>
-            <a:off x="4635796" y="557419"/>
-            <a:ext cx="7058246" cy="5619544"/>
-          </a:xfrm>
-          <a:prstGeom prst="rect">
-            <a:avLst/>
-          </a:prstGeom>
-        </p:spPr>
-      </p:pic>
-    </p:spTree>
-    <p:extLst>
-      <p:ext uri="{BB962C8B-B14F-4D97-AF65-F5344CB8AC3E}">
-        <p14:creationId xmlns:p14="http://schemas.microsoft.com/office/powerpoint/2010/main" val="3825370385"/>
-      </p:ext>
-    </p:extLst>
-  </p:cSld>
-  <p:clrMapOvr>
-    <a:masterClrMapping/>
-  </p:clrMapOvr>
-</p:sld>
-</file>
-
-<file path=ppt/slides/slide8.xml><?xml version="1.0" encoding="utf-8"?>
-<p:sld xmlns:a="http://schemas.openxmlformats.org/drawingml/2006/main" xmlns:r="http://schemas.openxmlformats.org/officeDocument/2006/relationships" xmlns:p="http://schemas.openxmlformats.org/presentationml/2006/main">
-  <p:cSld>
-    <p:spTree>
-      <p:nvGrpSpPr>
-        <p:cNvPr id="1" name=""/>
-        <p:cNvGrpSpPr/>
-        <p:nvPr/>
-      </p:nvGrpSpPr>
-      <p:grpSpPr>
-        <a:xfrm>
-          <a:off x="0" y="0"/>
-          <a:ext cx="0" cy="0"/>
-          <a:chOff x="0" y="0"/>
-          <a:chExt cx="0" cy="0"/>
-        </a:xfrm>
-      </p:grpSpPr>
-      <p:sp>
-        <p:nvSpPr>
-          <p:cNvPr id="2" name="标题 1">
-            <a:extLst>
-              <a:ext uri="{FF2B5EF4-FFF2-40B4-BE49-F238E27FC236}">
-                <a16:creationId xmlns:a16="http://schemas.microsoft.com/office/drawing/2014/main" id="{D8BB4BE7-3922-A741-9E53-6F7F47791A63}"/>
-              </a:ext>
-            </a:extLst>
-          </p:cNvPr>
-          <p:cNvSpPr>
-            <a:spLocks noGrp="1"/>
-          </p:cNvSpPr>
-          <p:nvPr>
-            <p:ph type="title"/>
-          </p:nvPr>
-        </p:nvSpPr>
-        <p:spPr/>
-        <p:txBody>
-          <a:bodyPr/>
-          <a:lstStyle/>
-          <a:p>
-            <a:r>
-              <a:rPr kumimoji="1" lang="zh-CN" altLang="en-US" dirty="0"/>
-              <a:t>进入特征工程</a:t>
-            </a:r>
-          </a:p>
-        </p:txBody>
-      </p:sp>
-      <p:sp>
-        <p:nvSpPr>
-          <p:cNvPr id="3" name="内容占位符 2">
-            <a:extLst>
-              <a:ext uri="{FF2B5EF4-FFF2-40B4-BE49-F238E27FC236}">
-                <a16:creationId xmlns:a16="http://schemas.microsoft.com/office/drawing/2014/main" id="{D80BA566-AE4A-F44B-983B-DF44E962A9DB}"/>
-              </a:ext>
-            </a:extLst>
-          </p:cNvPr>
-          <p:cNvSpPr>
-            <a:spLocks noGrp="1"/>
-          </p:cNvSpPr>
-          <p:nvPr>
-            <p:ph idx="1"/>
-          </p:nvPr>
-        </p:nvSpPr>
-        <p:spPr/>
-        <p:txBody>
-          <a:bodyPr/>
-          <a:lstStyle/>
-          <a:p>
-            <a:r>
-              <a:rPr kumimoji="1" lang="zh-CN" altLang="en-US" dirty="0"/>
-              <a:t>选择：“特征工程”</a:t>
-            </a:r>
-            <a:endParaRPr kumimoji="1" lang="en-US" altLang="zh-CN" dirty="0"/>
-          </a:p>
-          <a:p>
-            <a:endParaRPr kumimoji="1" lang="en-US" altLang="zh-CN" dirty="0"/>
-          </a:p>
-          <a:p>
-            <a:endParaRPr kumimoji="1" lang="en-US" altLang="zh-CN" dirty="0"/>
-          </a:p>
-          <a:p>
-            <a:endParaRPr kumimoji="1" lang="en-US" altLang="zh-CN" dirty="0"/>
-          </a:p>
-          <a:p>
-            <a:endParaRPr kumimoji="1" lang="zh-CN" altLang="en-US" dirty="0"/>
-          </a:p>
-        </p:txBody>
-      </p:sp>
-      <p:pic>
-        <p:nvPicPr>
-          <p:cNvPr id="5" name="图片 4">
-            <a:extLst>
-              <a:ext uri="{FF2B5EF4-FFF2-40B4-BE49-F238E27FC236}">
-                <a16:creationId xmlns:a16="http://schemas.microsoft.com/office/drawing/2014/main" id="{29AE5D05-3C2C-394F-8490-D166046AE74B}"/>
-              </a:ext>
-            </a:extLst>
-          </p:cNvPr>
-          <p:cNvPicPr>
-            <a:picLocks noChangeAspect="1"/>
-          </p:cNvPicPr>
-          <p:nvPr/>
-        </p:nvPicPr>
-        <p:blipFill>
-          <a:blip r:embed="rId2"/>
-          <a:stretch>
-            <a:fillRect/>
-          </a:stretch>
-        </p:blipFill>
-        <p:spPr>
-          <a:xfrm>
-            <a:off x="635000" y="3095304"/>
-            <a:ext cx="10922000" cy="1155700"/>
-          </a:xfrm>
-          <a:prstGeom prst="rect">
-            <a:avLst/>
-          </a:prstGeom>
-        </p:spPr>
-      </p:pic>
-    </p:spTree>
-    <p:extLst>
-      <p:ext uri="{BB962C8B-B14F-4D97-AF65-F5344CB8AC3E}">
-        <p14:creationId xmlns:p14="http://schemas.microsoft.com/office/powerpoint/2010/main" val="2164349349"/>
-      </p:ext>
-    </p:extLst>
-  </p:cSld>
-  <p:clrMapOvr>
-    <a:masterClrMapping/>
-  </p:clrMapOvr>
-</p:sld>
-</file>
-
-<file path=ppt/slides/slide9.xml><?xml version="1.0" encoding="utf-8"?>
-<p:sld xmlns:a="http://schemas.openxmlformats.org/drawingml/2006/main" xmlns:r="http://schemas.openxmlformats.org/officeDocument/2006/relationships" xmlns:p="http://schemas.openxmlformats.org/presentationml/2006/main">
-  <p:cSld>
-    <p:spTree>
-      <p:nvGrpSpPr>
-        <p:cNvPr id="1" name=""/>
-        <p:cNvGrpSpPr/>
-        <p:nvPr/>
-      </p:nvGrpSpPr>
-      <p:grpSpPr>
-        <a:xfrm>
-          <a:off x="0" y="0"/>
-          <a:ext cx="0" cy="0"/>
-          <a:chOff x="0" y="0"/>
-          <a:chExt cx="0" cy="0"/>
-        </a:xfrm>
-      </p:grpSpPr>
-      <p:sp>
-        <p:nvSpPr>
-          <p:cNvPr id="2" name="标题 1">
-            <a:extLst>
-              <a:ext uri="{FF2B5EF4-FFF2-40B4-BE49-F238E27FC236}">
-                <a16:creationId xmlns:a16="http://schemas.microsoft.com/office/drawing/2014/main" id="{DECB3DBD-F11F-8540-B018-5156D6853729}"/>
-              </a:ext>
-            </a:extLst>
-          </p:cNvPr>
-          <p:cNvSpPr>
-            <a:spLocks noGrp="1"/>
-          </p:cNvSpPr>
-          <p:nvPr>
-            <p:ph type="title"/>
-          </p:nvPr>
-        </p:nvSpPr>
-        <p:spPr/>
-        <p:txBody>
-          <a:bodyPr/>
-          <a:lstStyle/>
-          <a:p>
-            <a:r>
-              <a:rPr kumimoji="1" lang="zh-CN" altLang="en-US" dirty="0"/>
-              <a:t>特征工程管理</a:t>
-            </a:r>
-          </a:p>
-        </p:txBody>
-      </p:sp>
-      <p:sp>
-        <p:nvSpPr>
-          <p:cNvPr id="3" name="内容占位符 2">
-            <a:extLst>
-              <a:ext uri="{FF2B5EF4-FFF2-40B4-BE49-F238E27FC236}">
-                <a16:creationId xmlns:a16="http://schemas.microsoft.com/office/drawing/2014/main" id="{359900F5-B2A3-0F4F-8821-DA7280E16A4A}"/>
-              </a:ext>
-            </a:extLst>
-          </p:cNvPr>
-          <p:cNvSpPr>
-            <a:spLocks noGrp="1"/>
-          </p:cNvSpPr>
-          <p:nvPr>
-            <p:ph idx="1"/>
-          </p:nvPr>
-        </p:nvSpPr>
-        <p:spPr/>
-        <p:txBody>
-          <a:bodyPr/>
-          <a:lstStyle/>
-          <a:p>
-            <a:r>
-              <a:rPr kumimoji="1" lang="zh-CN" altLang="en-US" dirty="0"/>
-              <a:t>选择：“特征处理”</a:t>
-            </a:r>
-          </a:p>
-        </p:txBody>
-      </p:sp>
-      <p:pic>
-        <p:nvPicPr>
-          <p:cNvPr id="4" name="图片 3">
-            <a:extLst>
-              <a:ext uri="{FF2B5EF4-FFF2-40B4-BE49-F238E27FC236}">
-                <a16:creationId xmlns:a16="http://schemas.microsoft.com/office/drawing/2014/main" id="{33441C03-FCCF-4A47-A2F5-DC9CE03C6B3E}"/>
-              </a:ext>
-            </a:extLst>
-          </p:cNvPr>
-          <p:cNvPicPr>
-            <a:picLocks noChangeAspect="1"/>
-          </p:cNvPicPr>
-          <p:nvPr/>
-        </p:nvPicPr>
-        <p:blipFill>
-          <a:blip r:embed="rId2"/>
-          <a:stretch>
-            <a:fillRect/>
-          </a:stretch>
-        </p:blipFill>
-        <p:spPr>
-          <a:xfrm>
-            <a:off x="499533" y="2804659"/>
-            <a:ext cx="10989734" cy="2982838"/>
-          </a:xfrm>
-          <a:prstGeom prst="rect">
-            <a:avLst/>
-          </a:prstGeom>
-        </p:spPr>
-      </p:pic>
-    </p:spTree>
-    <p:extLst>
-      <p:ext uri="{BB962C8B-B14F-4D97-AF65-F5344CB8AC3E}">
-        <p14:creationId xmlns:p14="http://schemas.microsoft.com/office/powerpoint/2010/main" val="1153160363"/>
+        <p14:creationId xmlns:p14="http://schemas.microsoft.com/office/powerpoint/2010/main" val="193830310"/>
       </p:ext>
     </p:extLst>
   </p:cSld>
